--- a/Doc/PowerPoints/PatrickS1.pptx
+++ b/Doc/PowerPoints/PatrickS1.pptx
@@ -12,9 +12,8 @@
     <p:sldId id="265" r:id="rId6"/>
     <p:sldId id="262" r:id="rId7"/>
     <p:sldId id="259" r:id="rId8"/>
-    <p:sldId id="260" r:id="rId9"/>
-    <p:sldId id="263" r:id="rId10"/>
-    <p:sldId id="266" r:id="rId11"/>
+    <p:sldId id="263" r:id="rId9"/>
+    <p:sldId id="266" r:id="rId10"/>
   </p:sldIdLst>
   <p:sldSz cx="12192000" cy="6858000"/>
   <p:notesSz cx="6858000" cy="9144000"/>
@@ -3035,81 +3034,6 @@
 </p:sld>
 </file>
 
-<file path=ppt/slides/slide10.xml><?xml version="1.0" encoding="utf-8"?>
-<p:sld xmlns:a="http://schemas.openxmlformats.org/drawingml/2006/main" xmlns:r="http://schemas.openxmlformats.org/officeDocument/2006/relationships" xmlns:p="http://schemas.openxmlformats.org/presentationml/2006/main">
-  <p:cSld>
-    <p:spTree>
-      <p:nvGrpSpPr>
-        <p:cNvPr id="1" name=""/>
-        <p:cNvGrpSpPr/>
-        <p:nvPr/>
-      </p:nvGrpSpPr>
-      <p:grpSpPr>
-        <a:xfrm>
-          <a:off x="0" y="0"/>
-          <a:ext cx="0" cy="0"/>
-          <a:chOff x="0" y="0"/>
-          <a:chExt cx="0" cy="0"/>
-        </a:xfrm>
-      </p:grpSpPr>
-      <p:sp>
-        <p:nvSpPr>
-          <p:cNvPr id="2" name="Title 1"/>
-          <p:cNvSpPr>
-            <a:spLocks noGrp="1"/>
-          </p:cNvSpPr>
-          <p:nvPr>
-            <p:ph type="title"/>
-          </p:nvPr>
-        </p:nvSpPr>
-        <p:spPr/>
-        <p:txBody>
-          <a:bodyPr/>
-          <a:lstStyle/>
-          <a:p>
-            <a:endParaRPr lang="en-US"/>
-          </a:p>
-        </p:txBody>
-      </p:sp>
-      <p:sp>
-        <p:nvSpPr>
-          <p:cNvPr id="3" name="Content Placeholder 2"/>
-          <p:cNvSpPr>
-            <a:spLocks noGrp="1"/>
-          </p:cNvSpPr>
-          <p:nvPr>
-            <p:ph idx="1"/>
-          </p:nvPr>
-        </p:nvSpPr>
-        <p:spPr/>
-        <p:txBody>
-          <a:bodyPr/>
-          <a:lstStyle/>
-          <a:p>
-            <a:endParaRPr lang="en-US"/>
-          </a:p>
-        </p:txBody>
-      </p:sp>
-    </p:spTree>
-    <p:extLst>
-      <p:ext uri="{BB962C8B-B14F-4D97-AF65-F5344CB8AC3E}">
-        <p14:creationId xmlns:p14="http://schemas.microsoft.com/office/powerpoint/2010/main" val="361820073"/>
-      </p:ext>
-    </p:extLst>
-  </p:cSld>
-  <p:clrMapOvr>
-    <a:masterClrMapping/>
-  </p:clrMapOvr>
-  <p:timing>
-    <p:tnLst>
-      <p:par>
-        <p:cTn id="1" dur="indefinite" restart="never" nodeType="tmRoot"/>
-      </p:par>
-    </p:tnLst>
-  </p:timing>
-</p:sld>
-</file>
-
 <file path=ppt/slides/slide2.xml><?xml version="1.0" encoding="utf-8"?>
 <p:sld xmlns:a="http://schemas.openxmlformats.org/drawingml/2006/main" xmlns:r="http://schemas.openxmlformats.org/officeDocument/2006/relationships" xmlns:p="http://schemas.openxmlformats.org/presentationml/2006/main">
   <p:cSld>
@@ -3228,7 +3152,7 @@
           <a:p>
             <a:r>
               <a:rPr lang="en-US" dirty="0" smtClean="0"/>
-              <a:t>Only past experience was in Testing with Calvin</a:t>
+              <a:t>Only past experience in testing was in Testing with Calvin</a:t>
             </a:r>
           </a:p>
           <a:p>
@@ -3544,7 +3468,7 @@
         </p:blipFill>
         <p:spPr bwMode="auto">
           <a:xfrm>
-            <a:off x="8754143" y="2762406"/>
+            <a:off x="8694820" y="3307837"/>
             <a:ext cx="3176336" cy="2707951"/>
           </a:xfrm>
           <a:prstGeom prst="rect">
@@ -3597,8 +3521,8 @@
         </p:nvSpPr>
         <p:spPr>
           <a:xfrm>
-            <a:off x="838200" y="1825625"/>
-            <a:ext cx="8915400" cy="4351338"/>
+            <a:off x="838199" y="1825625"/>
+            <a:ext cx="9444789" cy="4351338"/>
           </a:xfrm>
         </p:spPr>
         <p:txBody>
@@ -3613,13 +3537,13 @@
           <a:p>
             <a:r>
               <a:rPr lang="en-US" dirty="0" smtClean="0"/>
-              <a:t>Used local database for more control in the development process</a:t>
+              <a:t>Used local database for more control in the development process and safety</a:t>
             </a:r>
           </a:p>
           <a:p>
             <a:r>
               <a:rPr lang="en-US" dirty="0" smtClean="0"/>
-              <a:t>Backbone of tests is Java Database Connectivity (JDBC) API</a:t>
+              <a:t>Backbone of tests is the Java Database Connectivity (JDBC) API</a:t>
             </a:r>
             <a:endParaRPr lang="en-US" dirty="0"/>
           </a:p>
@@ -3912,6 +3836,30 @@
           <a:chExt cx="0" cy="0"/>
         </a:xfrm>
       </p:grpSpPr>
+      <p:pic>
+        <p:nvPicPr>
+          <p:cNvPr id="5" name="Picture 4"/>
+          <p:cNvPicPr>
+            <a:picLocks noChangeAspect="1"/>
+          </p:cNvPicPr>
+          <p:nvPr/>
+        </p:nvPicPr>
+        <p:blipFill>
+          <a:blip r:embed="rId2"/>
+          <a:stretch>
+            <a:fillRect/>
+          </a:stretch>
+        </p:blipFill>
+        <p:spPr>
+          <a:xfrm>
+            <a:off x="2743200" y="4290753"/>
+            <a:ext cx="9160794" cy="2295771"/>
+          </a:xfrm>
+          <a:prstGeom prst="rect">
+            <a:avLst/>
+          </a:prstGeom>
+        </p:spPr>
+      </p:pic>
       <p:sp>
         <p:nvSpPr>
           <p:cNvPr id="2" name="Title 1"/>
@@ -3957,9 +3905,35 @@
           <a:p>
             <a:r>
               <a:rPr lang="en-US" dirty="0" smtClean="0"/>
-              <a:t>GUI based interface... controversial but it helps for basic commands</a:t>
-            </a:r>
-            <a:endParaRPr lang="en-US" dirty="0"/>
+              <a:t>GUI based interface... controversial but I found it helps for basic commands</a:t>
+            </a:r>
+          </a:p>
+          <a:p>
+            <a:r>
+              <a:rPr lang="en-US" dirty="0" smtClean="0"/>
+              <a:t>File structure for all parts of the projects</a:t>
+            </a:r>
+          </a:p>
+          <a:p>
+            <a:pPr lvl="1"/>
+            <a:r>
+              <a:rPr lang="en-US" dirty="0" smtClean="0"/>
+              <a:t>Code</a:t>
+            </a:r>
+          </a:p>
+          <a:p>
+            <a:pPr lvl="1"/>
+            <a:r>
+              <a:rPr lang="en-US" dirty="0" smtClean="0"/>
+              <a:t>Documentation</a:t>
+            </a:r>
+          </a:p>
+          <a:p>
+            <a:pPr lvl="1"/>
+            <a:r>
+              <a:rPr lang="en-US" dirty="0" smtClean="0"/>
+              <a:t>Anything else</a:t>
+            </a:r>
           </a:p>
         </p:txBody>
       </p:sp>
@@ -3972,7 +3946,7 @@
           <p:nvPr/>
         </p:nvPicPr>
         <p:blipFill>
-          <a:blip r:embed="rId2" cstate="print">
+          <a:blip r:embed="rId3" cstate="print">
             <a:extLst>
               <a:ext uri="{28A0092B-C50C-407E-A947-70E740481C1C}">
                 <a14:useLocalDpi xmlns:a14="http://schemas.microsoft.com/office/drawing/2010/main" val="0"/>
@@ -4002,30 +3976,6 @@
               </a14:hiddenFill>
             </a:ext>
           </a:extLst>
-        </p:spPr>
-      </p:pic>
-      <p:pic>
-        <p:nvPicPr>
-          <p:cNvPr id="5" name="Picture 4"/>
-          <p:cNvPicPr>
-            <a:picLocks noChangeAspect="1"/>
-          </p:cNvPicPr>
-          <p:nvPr/>
-        </p:nvPicPr>
-        <p:blipFill>
-          <a:blip r:embed="rId3"/>
-          <a:stretch>
-            <a:fillRect/>
-          </a:stretch>
-        </p:blipFill>
-        <p:spPr>
-          <a:xfrm>
-            <a:off x="1941095" y="4089740"/>
-            <a:ext cx="9962899" cy="2496785"/>
-          </a:xfrm>
-          <a:prstGeom prst="rect">
-            <a:avLst/>
-          </a:prstGeom>
         </p:spPr>
       </p:pic>
     </p:spTree>
@@ -4072,26 +4022,30 @@
             <a:spLocks noGrp="1"/>
           </p:cNvSpPr>
           <p:nvPr>
-            <p:ph type="title"/>
-          </p:nvPr>
-        </p:nvSpPr>
-        <p:spPr/>
-        <p:txBody>
-          <a:bodyPr/>
-          <a:lstStyle/>
-          <a:p>
+            <p:ph type="ctrTitle"/>
+          </p:nvPr>
+        </p:nvSpPr>
+        <p:spPr/>
+        <p:txBody>
+          <a:bodyPr/>
+          <a:lstStyle/>
+          <a:p>
+            <a:r>
+              <a:rPr lang="en-US" dirty="0" smtClean="0"/>
+              <a:t>Scrum Master</a:t>
+            </a:r>
             <a:endParaRPr lang="en-US" dirty="0"/>
           </a:p>
         </p:txBody>
       </p:sp>
       <p:sp>
         <p:nvSpPr>
-          <p:cNvPr id="3" name="Content Placeholder 2"/>
-          <p:cNvSpPr>
-            <a:spLocks noGrp="1"/>
-          </p:cNvSpPr>
-          <p:nvPr>
-            <p:ph idx="1"/>
+          <p:cNvPr id="3" name="Subtitle 2"/>
+          <p:cNvSpPr>
+            <a:spLocks noGrp="1"/>
+          </p:cNvSpPr>
+          <p:nvPr>
+            <p:ph type="subTitle" idx="1"/>
           </p:nvPr>
         </p:nvSpPr>
         <p:spPr/>
@@ -4106,7 +4060,7 @@
     </p:spTree>
     <p:extLst>
       <p:ext uri="{BB962C8B-B14F-4D97-AF65-F5344CB8AC3E}">
-        <p14:creationId xmlns:p14="http://schemas.microsoft.com/office/powerpoint/2010/main" val="3840555975"/>
+        <p14:creationId xmlns:p14="http://schemas.microsoft.com/office/powerpoint/2010/main" val="2592953665"/>
       </p:ext>
     </p:extLst>
   </p:cSld>
@@ -4147,7 +4101,7 @@
             <a:spLocks noGrp="1"/>
           </p:cNvSpPr>
           <p:nvPr>
-            <p:ph type="ctrTitle"/>
+            <p:ph type="title"/>
           </p:nvPr>
         </p:nvSpPr>
         <p:spPr/>
@@ -4157,7 +4111,7 @@
           <a:p>
             <a:r>
               <a:rPr lang="en-US" dirty="0" smtClean="0"/>
-              <a:t>Scrum Master</a:t>
+              <a:t>Scrum Master Overview</a:t>
             </a:r>
             <a:endParaRPr lang="en-US" dirty="0"/>
           </a:p>
@@ -4165,27 +4119,82 @@
       </p:sp>
       <p:sp>
         <p:nvSpPr>
-          <p:cNvPr id="3" name="Subtitle 2"/>
-          <p:cNvSpPr>
-            <a:spLocks noGrp="1"/>
-          </p:cNvSpPr>
-          <p:nvPr>
-            <p:ph type="subTitle" idx="1"/>
-          </p:nvPr>
-        </p:nvSpPr>
-        <p:spPr/>
-        <p:txBody>
-          <a:bodyPr/>
-          <a:lstStyle/>
-          <a:p>
-            <a:endParaRPr lang="en-US"/>
+          <p:cNvPr id="3" name="Content Placeholder 2"/>
+          <p:cNvSpPr>
+            <a:spLocks noGrp="1"/>
+          </p:cNvSpPr>
+          <p:nvPr>
+            <p:ph idx="1"/>
+          </p:nvPr>
+        </p:nvSpPr>
+        <p:spPr>
+          <a:xfrm>
+            <a:off x="838200" y="1825625"/>
+            <a:ext cx="10515600" cy="4351338"/>
+          </a:xfrm>
+        </p:spPr>
+        <p:txBody>
+          <a:bodyPr/>
+          <a:lstStyle/>
+          <a:p>
+            <a:r>
+              <a:rPr lang="en-US" dirty="0" smtClean="0"/>
+              <a:t>Frist Scrum master of our JP</a:t>
+            </a:r>
+          </a:p>
+          <a:p>
+            <a:r>
+              <a:rPr lang="en-US" dirty="0" smtClean="0"/>
+              <a:t>Did most of the initial technical writing for the group</a:t>
+            </a:r>
+          </a:p>
+          <a:p>
+            <a:pPr lvl="1"/>
+            <a:r>
+              <a:rPr lang="en-US" dirty="0" smtClean="0"/>
+              <a:t>Group members focused on additions and edits</a:t>
+            </a:r>
+          </a:p>
+          <a:p>
+            <a:r>
+              <a:rPr lang="en-US" dirty="0" smtClean="0"/>
+              <a:t>One of the biggest lessons learned was that organization is key</a:t>
+            </a:r>
+          </a:p>
+          <a:p>
+            <a:r>
+              <a:rPr lang="en-US" dirty="0" smtClean="0"/>
+              <a:t>Project notebook</a:t>
+            </a:r>
+          </a:p>
+          <a:p>
+            <a:pPr lvl="1"/>
+            <a:r>
+              <a:rPr lang="en-US" dirty="0" smtClean="0"/>
+              <a:t>Meeting and daily scrum logs</a:t>
+            </a:r>
+          </a:p>
+          <a:p>
+            <a:pPr lvl="1"/>
+            <a:r>
+              <a:rPr lang="en-US" dirty="0" smtClean="0"/>
+              <a:t>Design documents</a:t>
+            </a:r>
+          </a:p>
+          <a:p>
+            <a:pPr lvl="1"/>
+            <a:r>
+              <a:rPr lang="en-US" dirty="0" smtClean="0"/>
+              <a:t>Weekly status reports  </a:t>
+            </a:r>
+            <a:endParaRPr lang="en-US" dirty="0"/>
           </a:p>
         </p:txBody>
       </p:sp>
     </p:spTree>
     <p:extLst>
       <p:ext uri="{BB962C8B-B14F-4D97-AF65-F5344CB8AC3E}">
-        <p14:creationId xmlns:p14="http://schemas.microsoft.com/office/powerpoint/2010/main" val="2592953665"/>
+        <p14:creationId xmlns:p14="http://schemas.microsoft.com/office/powerpoint/2010/main" val="361820073"/>
       </p:ext>
     </p:extLst>
   </p:cSld>
